--- a/eece3170/f16/lectures/eece.3170f16_lec11_exam1_preview.pptx
+++ b/eece3170/f16/lectures/eece.3170f16_lec11_exam1_preview.pptx
@@ -5,10 +5,10 @@
     <p:sldMasterId id="2147483792" r:id="rId1"/>
   </p:sldMasterIdLst>
   <p:notesMasterIdLst>
-    <p:notesMasterId r:id="rId14"/>
+    <p:notesMasterId r:id="rId13"/>
   </p:notesMasterIdLst>
   <p:handoutMasterIdLst>
-    <p:handoutMasterId r:id="rId15"/>
+    <p:handoutMasterId r:id="rId14"/>
   </p:handoutMasterIdLst>
   <p:sldIdLst>
     <p:sldId id="256" r:id="rId2"/>
@@ -21,8 +21,7 @@
     <p:sldId id="515" r:id="rId9"/>
     <p:sldId id="516" r:id="rId10"/>
     <p:sldId id="519" r:id="rId11"/>
-    <p:sldId id="520" r:id="rId12"/>
-    <p:sldId id="379" r:id="rId13"/>
+    <p:sldId id="379" r:id="rId12"/>
   </p:sldIdLst>
   <p:sldSz cx="9144000" cy="6858000" type="screen4x3"/>
   <p:notesSz cx="9144000" cy="6858000"/>
@@ -5932,7 +5931,7 @@
       </p:grpSpPr>
       <p:sp>
         <p:nvSpPr>
-          <p:cNvPr id="13314" name="Title 1"/>
+          <p:cNvPr id="16386" name="Title 1"/>
           <p:cNvSpPr>
             <a:spLocks noGrp="1"/>
           </p:cNvSpPr>
@@ -5949,14 +5948,14 @@
               <a:rPr lang="en-US">
                 <a:latin typeface="Garamond" charset="0"/>
               </a:rPr>
-              <a:t>Review: bit test/scan</a:t>
-            </a:r>
-          </a:p>
-        </p:txBody>
-      </p:sp>
-      <p:sp>
-        <p:nvSpPr>
-          <p:cNvPr id="3" name="Content Placeholder 2"/>
+              <a:t>Final notes</a:t>
+            </a:r>
+          </a:p>
+        </p:txBody>
+      </p:sp>
+      <p:sp>
+        <p:nvSpPr>
+          <p:cNvPr id="16387" name="Content Placeholder 2"/>
           <p:cNvSpPr>
             <a:spLocks noGrp="1"/>
           </p:cNvSpPr>
@@ -5966,192 +5965,57 @@
         </p:nvSpPr>
         <p:spPr/>
         <p:txBody>
-          <a:bodyPr>
-            <a:normAutofit lnSpcReduction="10000"/>
-          </a:bodyPr>
+          <a:bodyPr/>
           <a:lstStyle/>
           <a:p>
-            <a:pPr>
-              <a:buFont typeface="Wingdings" pitchFamily="2" charset="2"/>
-              <a:buChar char="n"/>
-              <a:defRPr/>
+            <a:r>
+              <a:rPr lang="en-US" dirty="0">
+                <a:latin typeface="Arial" charset="0"/>
+              </a:rPr>
+              <a:t>Next time:</a:t>
+            </a:r>
+          </a:p>
+          <a:p>
+            <a:pPr lvl="1"/>
+            <a:r>
+              <a:rPr lang="en-US" dirty="0">
+                <a:latin typeface="Arial" charset="0"/>
+              </a:rPr>
+              <a:t>Exam 1—</a:t>
+            </a:r>
+            <a:r>
+              <a:rPr lang="en-US" b="1" u="sng" dirty="0">
+                <a:latin typeface="Arial" charset="0"/>
+              </a:rPr>
+              <a:t>PLEASE BE ON TIME!!</a:t>
+            </a:r>
+          </a:p>
+          <a:p>
+            <a:pPr lvl="1"/>
+            <a:endParaRPr lang="en-US" b="1" u="sng" dirty="0">
+              <a:latin typeface="Arial" charset="0"/>
+            </a:endParaRPr>
+          </a:p>
+          <a:p>
+            <a:pPr lvl="1">
+              <a:buFont typeface="Wingdings" charset="0"/>
+              <a:buNone/>
             </a:pPr>
-            <a:r>
-              <a:rPr lang="en-US" dirty="0" smtClean="0">
-                <a:ea typeface="+mn-ea"/>
-                <a:cs typeface="+mn-cs"/>
-              </a:rPr>
-              <a:t>Bit test instructions</a:t>
-            </a:r>
-          </a:p>
-          <a:p>
-            <a:pPr lvl="1">
-              <a:buFont typeface="Wingdings" pitchFamily="2" charset="2"/>
-              <a:buChar char="q"/>
-              <a:defRPr/>
-            </a:pPr>
-            <a:r>
-              <a:rPr lang="en-US" dirty="0" smtClean="0"/>
-              <a:t>Check state of bit and store in CF</a:t>
-            </a:r>
-          </a:p>
-          <a:p>
-            <a:pPr lvl="1">
-              <a:buFont typeface="Wingdings" pitchFamily="2" charset="2"/>
-              <a:buChar char="q"/>
-              <a:defRPr/>
-            </a:pPr>
-            <a:r>
-              <a:rPr lang="en-US" dirty="0" smtClean="0"/>
-              <a:t>Basic test (</a:t>
-            </a:r>
-            <a:r>
-              <a:rPr lang="en-US" dirty="0" smtClean="0">
-                <a:solidFill>
-                  <a:srgbClr val="FF0000"/>
-                </a:solidFill>
-              </a:rPr>
-              <a:t>BT</a:t>
-            </a:r>
-            <a:r>
-              <a:rPr lang="en-US" dirty="0" smtClean="0"/>
-              <a:t>) leaves bit unchanged</a:t>
-            </a:r>
-          </a:p>
-          <a:p>
-            <a:pPr lvl="1">
-              <a:buFont typeface="Wingdings" pitchFamily="2" charset="2"/>
-              <a:buChar char="q"/>
-              <a:defRPr/>
-            </a:pPr>
-            <a:r>
-              <a:rPr lang="en-US" dirty="0" smtClean="0"/>
-              <a:t>Can also set (</a:t>
-            </a:r>
-            <a:r>
-              <a:rPr lang="en-US" dirty="0" smtClean="0">
-                <a:solidFill>
-                  <a:srgbClr val="FF0000"/>
-                </a:solidFill>
-              </a:rPr>
-              <a:t>BTS</a:t>
-            </a:r>
-            <a:r>
-              <a:rPr lang="en-US" dirty="0" smtClean="0"/>
-              <a:t>), clear (</a:t>
-            </a:r>
-            <a:r>
-              <a:rPr lang="en-US" dirty="0" smtClean="0">
-                <a:solidFill>
-                  <a:srgbClr val="FF0000"/>
-                </a:solidFill>
-              </a:rPr>
-              <a:t>BTR</a:t>
-            </a:r>
-            <a:r>
-              <a:rPr lang="en-US" dirty="0" smtClean="0"/>
-              <a:t>), or complement bit (</a:t>
-            </a:r>
-            <a:r>
-              <a:rPr lang="en-US" dirty="0" smtClean="0">
-                <a:solidFill>
-                  <a:srgbClr val="FF0000"/>
-                </a:solidFill>
-              </a:rPr>
-              <a:t>BTC</a:t>
-            </a:r>
-            <a:r>
-              <a:rPr lang="en-US" dirty="0" smtClean="0"/>
-              <a:t>)</a:t>
-            </a:r>
-          </a:p>
-          <a:p>
-            <a:pPr>
-              <a:buFont typeface="Wingdings" pitchFamily="2" charset="2"/>
-              <a:buChar char="n"/>
-              <a:defRPr/>
-            </a:pPr>
-            <a:r>
-              <a:rPr lang="en-US" dirty="0" smtClean="0">
-                <a:ea typeface="+mn-ea"/>
-                <a:cs typeface="+mn-cs"/>
-              </a:rPr>
-              <a:t>Bit scan instructions</a:t>
-            </a:r>
-          </a:p>
-          <a:p>
-            <a:pPr lvl="1">
-              <a:buFont typeface="Wingdings" pitchFamily="2" charset="2"/>
-              <a:buChar char="q"/>
-              <a:defRPr/>
-            </a:pPr>
-            <a:r>
-              <a:rPr lang="en-US" dirty="0" smtClean="0"/>
-              <a:t>Find first non-zero bit and store index in </a:t>
-            </a:r>
-            <a:r>
-              <a:rPr lang="en-US" dirty="0" err="1" smtClean="0"/>
-              <a:t>dest</a:t>
-            </a:r>
-            <a:r>
-              <a:rPr lang="en-US" dirty="0" smtClean="0"/>
-              <a:t>.</a:t>
-            </a:r>
-          </a:p>
-          <a:p>
-            <a:pPr lvl="1">
-              <a:buFont typeface="Wingdings" pitchFamily="2" charset="2"/>
-              <a:buChar char="q"/>
-              <a:defRPr/>
-            </a:pPr>
-            <a:r>
-              <a:rPr lang="en-US" dirty="0" smtClean="0"/>
-              <a:t>Set ZF = 1 if source non-zero; ZF = 0 if source == 0</a:t>
-            </a:r>
-          </a:p>
-          <a:p>
-            <a:pPr lvl="1">
-              <a:buFont typeface="Wingdings" pitchFamily="2" charset="2"/>
-              <a:buChar char="q"/>
-              <a:defRPr/>
-            </a:pPr>
-            <a:r>
-              <a:rPr lang="en-US" dirty="0" smtClean="0">
-                <a:solidFill>
-                  <a:srgbClr val="FF0000"/>
-                </a:solidFill>
-              </a:rPr>
-              <a:t>BSF</a:t>
-            </a:r>
-            <a:r>
-              <a:rPr lang="en-US" dirty="0" smtClean="0"/>
-              <a:t>: scan right to left (LSB to MSB)</a:t>
-            </a:r>
-          </a:p>
-          <a:p>
-            <a:pPr lvl="1">
-              <a:buFont typeface="Wingdings" pitchFamily="2" charset="2"/>
-              <a:buChar char="q"/>
-              <a:defRPr/>
-            </a:pPr>
-            <a:r>
-              <a:rPr lang="en-US" dirty="0" smtClean="0">
-                <a:solidFill>
-                  <a:srgbClr val="FF0000"/>
-                </a:solidFill>
-              </a:rPr>
-              <a:t>BSR</a:t>
-            </a:r>
-            <a:r>
-              <a:rPr lang="en-US" dirty="0" smtClean="0"/>
-              <a:t>: scan left to right (MSB to LSB)</a:t>
-            </a:r>
-          </a:p>
-        </p:txBody>
-      </p:sp>
-      <p:sp>
-        <p:nvSpPr>
-          <p:cNvPr id="13316" name="Date Placeholder 3"/>
+            <a:endParaRPr lang="en-US" dirty="0">
+              <a:latin typeface="Arial" charset="0"/>
+            </a:endParaRPr>
+          </a:p>
+          <a:p>
+            <a:pPr lvl="1"/>
+            <a:endParaRPr lang="en-US" dirty="0">
+              <a:latin typeface="Arial" charset="0"/>
+            </a:endParaRPr>
+          </a:p>
+        </p:txBody>
+      </p:sp>
+      <p:sp>
+        <p:nvSpPr>
+          <p:cNvPr id="16388" name="Date Placeholder 3"/>
           <p:cNvSpPr>
             <a:spLocks noGrp="1"/>
           </p:cNvSpPr>
@@ -6273,7 +6137,7 @@
             </a:lvl9pPr>
           </a:lstStyle>
           <a:p>
-            <a:fld id="{7665A441-4C7D-7F49-A77E-6C7A16A5901D}" type="datetime1">
+            <a:fld id="{1E551958-8A56-9549-9691-718BB47B97DA}" type="datetime1">
               <a:rPr lang="en-US" sz="1200" smtClean="0">
                 <a:latin typeface="Garamond" charset="0"/>
               </a:rPr>
@@ -6304,16 +6168,16 @@
               <a:defRPr/>
             </a:pPr>
             <a:r>
-              <a:rPr lang="en-US" smtClean="0"/>
+              <a:rPr lang="en-US" altLang="en-US" smtClean="0"/>
               <a:t>Microprocessors I:  Lecture 11</a:t>
             </a:r>
-            <a:endParaRPr lang="en-US"/>
-          </a:p>
-        </p:txBody>
-      </p:sp>
-      <p:sp>
-        <p:nvSpPr>
-          <p:cNvPr id="13318" name="Slide Number Placeholder 5"/>
+            <a:endParaRPr lang="en-US" altLang="en-US"/>
+          </a:p>
+        </p:txBody>
+      </p:sp>
+      <p:sp>
+        <p:nvSpPr>
+          <p:cNvPr id="16390" name="Slide Number Placeholder 5"/>
           <p:cNvSpPr>
             <a:spLocks noGrp="1"/>
           </p:cNvSpPr>
@@ -6435,427 +6299,12 @@
             </a:lvl9pPr>
           </a:lstStyle>
           <a:p>
-            <a:fld id="{DF49D302-0E51-9943-9E07-2017559DCEBA}" type="slidenum">
-              <a:rPr lang="en-US" sz="1200">
-                <a:latin typeface="Garamond" charset="0"/>
-              </a:rPr>
-              <a:pPr/>
-              <a:t>11</a:t>
-            </a:fld>
-            <a:endParaRPr lang="en-US" sz="1200">
-              <a:latin typeface="Garamond" charset="0"/>
-            </a:endParaRPr>
-          </a:p>
-        </p:txBody>
-      </p:sp>
-    </p:spTree>
-  </p:cSld>
-  <p:clrMapOvr>
-    <a:masterClrMapping/>
-  </p:clrMapOvr>
-  <p:timing>
-    <p:tnLst>
-      <p:par>
-        <p:cTn xmlns:p14="http://schemas.microsoft.com/office/powerpoint/2010/main" id="1" dur="indefinite" restart="never" nodeType="tmRoot"/>
-      </p:par>
-    </p:tnLst>
-  </p:timing>
-</p:sld>
-</file>
-
-<file path=ppt/slides/slide12.xml><?xml version="1.0" encoding="utf-8"?>
-<p:sld xmlns:a="http://schemas.openxmlformats.org/drawingml/2006/main" xmlns:r="http://schemas.openxmlformats.org/officeDocument/2006/relationships" xmlns:p="http://schemas.openxmlformats.org/presentationml/2006/main">
-  <p:cSld>
-    <p:spTree>
-      <p:nvGrpSpPr>
-        <p:cNvPr id="1" name=""/>
-        <p:cNvGrpSpPr/>
-        <p:nvPr/>
-      </p:nvGrpSpPr>
-      <p:grpSpPr>
-        <a:xfrm>
-          <a:off x="0" y="0"/>
-          <a:ext cx="0" cy="0"/>
-          <a:chOff x="0" y="0"/>
-          <a:chExt cx="0" cy="0"/>
-        </a:xfrm>
-      </p:grpSpPr>
-      <p:sp>
-        <p:nvSpPr>
-          <p:cNvPr id="16386" name="Title 1"/>
-          <p:cNvSpPr>
-            <a:spLocks noGrp="1"/>
-          </p:cNvSpPr>
-          <p:nvPr>
-            <p:ph type="title"/>
-          </p:nvPr>
-        </p:nvSpPr>
-        <p:spPr/>
-        <p:txBody>
-          <a:bodyPr/>
-          <a:lstStyle/>
-          <a:p>
-            <a:r>
-              <a:rPr lang="en-US">
-                <a:latin typeface="Garamond" charset="0"/>
-              </a:rPr>
-              <a:t>Final notes</a:t>
-            </a:r>
-          </a:p>
-        </p:txBody>
-      </p:sp>
-      <p:sp>
-        <p:nvSpPr>
-          <p:cNvPr id="16387" name="Content Placeholder 2"/>
-          <p:cNvSpPr>
-            <a:spLocks noGrp="1"/>
-          </p:cNvSpPr>
-          <p:nvPr>
-            <p:ph idx="1"/>
-          </p:nvPr>
-        </p:nvSpPr>
-        <p:spPr/>
-        <p:txBody>
-          <a:bodyPr/>
-          <a:lstStyle/>
-          <a:p>
-            <a:r>
-              <a:rPr lang="en-US" dirty="0">
-                <a:latin typeface="Arial" charset="0"/>
-              </a:rPr>
-              <a:t>Next time:</a:t>
-            </a:r>
-          </a:p>
-          <a:p>
-            <a:pPr lvl="1"/>
-            <a:r>
-              <a:rPr lang="en-US" dirty="0">
-                <a:latin typeface="Arial" charset="0"/>
-              </a:rPr>
-              <a:t>Exam 1—</a:t>
-            </a:r>
-            <a:r>
-              <a:rPr lang="en-US" b="1" u="sng" dirty="0">
-                <a:latin typeface="Arial" charset="0"/>
-              </a:rPr>
-              <a:t>PLEASE BE ON TIME!!</a:t>
-            </a:r>
-          </a:p>
-          <a:p>
-            <a:pPr lvl="1"/>
-            <a:endParaRPr lang="en-US" b="1" u="sng" dirty="0">
-              <a:latin typeface="Arial" charset="0"/>
-            </a:endParaRPr>
-          </a:p>
-          <a:p>
-            <a:pPr lvl="1">
-              <a:buFont typeface="Wingdings" charset="0"/>
-              <a:buNone/>
-            </a:pPr>
-            <a:endParaRPr lang="en-US" dirty="0">
-              <a:latin typeface="Arial" charset="0"/>
-            </a:endParaRPr>
-          </a:p>
-          <a:p>
-            <a:pPr lvl="1"/>
-            <a:endParaRPr lang="en-US" dirty="0">
-              <a:latin typeface="Arial" charset="0"/>
-            </a:endParaRPr>
-          </a:p>
-        </p:txBody>
-      </p:sp>
-      <p:sp>
-        <p:nvSpPr>
-          <p:cNvPr id="16388" name="Date Placeholder 3"/>
-          <p:cNvSpPr>
-            <a:spLocks noGrp="1"/>
-          </p:cNvSpPr>
-          <p:nvPr>
-            <p:ph type="dt" sz="quarter" idx="10"/>
-          </p:nvPr>
-        </p:nvSpPr>
-        <p:spPr>
-          <a:noFill/>
-          <a:ln/>
-          <a:extLst>
-            <a:ext uri="{909E8E84-426E-40dd-AFC4-6F175D3DCCD1}">
-              <a14:hiddenFill xmlns:a14="http://schemas.microsoft.com/office/drawing/2010/main">
-                <a:solidFill>
-                  <a:srgbClr val="FFFFFF"/>
-                </a:solidFill>
-              </a14:hiddenFill>
-            </a:ext>
-            <a:ext uri="{91240B29-F687-4f45-9708-019B960494DF}">
-              <a14:hiddenLine xmlns:a14="http://schemas.microsoft.com/office/drawing/2010/main" w="9525">
-                <a:solidFill>
-                  <a:srgbClr val="000000"/>
-                </a:solidFill>
-                <a:miter lim="800000"/>
-                <a:headEnd/>
-                <a:tailEnd/>
-              </a14:hiddenLine>
-            </a:ext>
-          </a:extLst>
-        </p:spPr>
-        <p:txBody>
-          <a:bodyPr/>
-          <a:lstStyle>
-            <a:lvl1pPr>
-              <a:defRPr sz="3000">
-                <a:solidFill>
-                  <a:schemeClr val="tx1"/>
-                </a:solidFill>
-                <a:latin typeface="Arial" charset="0"/>
-                <a:ea typeface="ＭＳ Ｐゴシック" charset="0"/>
-                <a:cs typeface="ＭＳ Ｐゴシック" charset="0"/>
-              </a:defRPr>
-            </a:lvl1pPr>
-            <a:lvl2pPr marL="742950" indent="-285750">
-              <a:defRPr sz="2600">
-                <a:solidFill>
-                  <a:schemeClr val="tx1"/>
-                </a:solidFill>
-                <a:latin typeface="Arial" charset="0"/>
-                <a:ea typeface="ＭＳ Ｐゴシック" charset="0"/>
-              </a:defRPr>
-            </a:lvl2pPr>
-            <a:lvl3pPr marL="1143000" indent="-228600">
-              <a:defRPr sz="2200">
-                <a:solidFill>
-                  <a:schemeClr val="tx1"/>
-                </a:solidFill>
-                <a:latin typeface="Arial" charset="0"/>
-                <a:ea typeface="ＭＳ Ｐゴシック" charset="0"/>
-              </a:defRPr>
-            </a:lvl3pPr>
-            <a:lvl4pPr marL="1600200" indent="-228600">
-              <a:defRPr sz="2000">
-                <a:solidFill>
-                  <a:schemeClr val="tx1"/>
-                </a:solidFill>
-                <a:latin typeface="Arial" charset="0"/>
-                <a:ea typeface="ＭＳ Ｐゴシック" charset="0"/>
-              </a:defRPr>
-            </a:lvl4pPr>
-            <a:lvl5pPr marL="2057400" indent="-228600">
-              <a:defRPr sz="2000">
-                <a:solidFill>
-                  <a:schemeClr val="tx1"/>
-                </a:solidFill>
-                <a:latin typeface="Arial" charset="0"/>
-                <a:ea typeface="ＭＳ Ｐゴシック" charset="0"/>
-              </a:defRPr>
-            </a:lvl5pPr>
-            <a:lvl6pPr marL="2514600" indent="-228600" eaLnBrk="0" hangingPunct="0">
-              <a:buFont typeface="Wingdings" charset="0"/>
-              <a:defRPr sz="2000">
-                <a:solidFill>
-                  <a:schemeClr val="tx1"/>
-                </a:solidFill>
-                <a:latin typeface="Arial" charset="0"/>
-                <a:ea typeface="ＭＳ Ｐゴシック" charset="0"/>
-              </a:defRPr>
-            </a:lvl6pPr>
-            <a:lvl7pPr marL="2971800" indent="-228600" eaLnBrk="0" hangingPunct="0">
-              <a:buFont typeface="Wingdings" charset="0"/>
-              <a:defRPr sz="2000">
-                <a:solidFill>
-                  <a:schemeClr val="tx1"/>
-                </a:solidFill>
-                <a:latin typeface="Arial" charset="0"/>
-                <a:ea typeface="ＭＳ Ｐゴシック" charset="0"/>
-              </a:defRPr>
-            </a:lvl7pPr>
-            <a:lvl8pPr marL="3429000" indent="-228600" eaLnBrk="0" hangingPunct="0">
-              <a:buFont typeface="Wingdings" charset="0"/>
-              <a:defRPr sz="2000">
-                <a:solidFill>
-                  <a:schemeClr val="tx1"/>
-                </a:solidFill>
-                <a:latin typeface="Arial" charset="0"/>
-                <a:ea typeface="ＭＳ Ｐゴシック" charset="0"/>
-              </a:defRPr>
-            </a:lvl8pPr>
-            <a:lvl9pPr marL="3886200" indent="-228600" eaLnBrk="0" hangingPunct="0">
-              <a:buFont typeface="Wingdings" charset="0"/>
-              <a:defRPr sz="2000">
-                <a:solidFill>
-                  <a:schemeClr val="tx1"/>
-                </a:solidFill>
-                <a:latin typeface="Arial" charset="0"/>
-                <a:ea typeface="ＭＳ Ｐゴシック" charset="0"/>
-              </a:defRPr>
-            </a:lvl9pPr>
-          </a:lstStyle>
-          <a:p>
-            <a:fld id="{1E551958-8A56-9549-9691-718BB47B97DA}" type="datetime1">
-              <a:rPr lang="en-US" sz="1200" smtClean="0">
-                <a:latin typeface="Garamond" charset="0"/>
-              </a:rPr>
-              <a:t>9/27/16</a:t>
-            </a:fld>
-            <a:endParaRPr lang="en-US" sz="1200">
-              <a:latin typeface="Garamond" charset="0"/>
-            </a:endParaRPr>
-          </a:p>
-        </p:txBody>
-      </p:sp>
-      <p:sp>
-        <p:nvSpPr>
-          <p:cNvPr id="5" name="Footer Placeholder 4"/>
-          <p:cNvSpPr>
-            <a:spLocks noGrp="1"/>
-          </p:cNvSpPr>
-          <p:nvPr>
-            <p:ph type="ftr" sz="quarter" idx="11"/>
-          </p:nvPr>
-        </p:nvSpPr>
-        <p:spPr/>
-        <p:txBody>
-          <a:bodyPr/>
-          <a:lstStyle/>
-          <a:p>
-            <a:pPr>
-              <a:defRPr/>
-            </a:pPr>
-            <a:r>
-              <a:rPr lang="en-US" altLang="en-US" smtClean="0"/>
-              <a:t>Microprocessors I:  Lecture 11</a:t>
-            </a:r>
-            <a:endParaRPr lang="en-US" altLang="en-US"/>
-          </a:p>
-        </p:txBody>
-      </p:sp>
-      <p:sp>
-        <p:nvSpPr>
-          <p:cNvPr id="16390" name="Slide Number Placeholder 5"/>
-          <p:cNvSpPr>
-            <a:spLocks noGrp="1"/>
-          </p:cNvSpPr>
-          <p:nvPr>
-            <p:ph type="sldNum" sz="quarter" idx="12"/>
-          </p:nvPr>
-        </p:nvSpPr>
-        <p:spPr>
-          <a:noFill/>
-          <a:ln/>
-          <a:extLst>
-            <a:ext uri="{909E8E84-426E-40dd-AFC4-6F175D3DCCD1}">
-              <a14:hiddenFill xmlns:a14="http://schemas.microsoft.com/office/drawing/2010/main">
-                <a:solidFill>
-                  <a:srgbClr val="FFFFFF"/>
-                </a:solidFill>
-              </a14:hiddenFill>
-            </a:ext>
-            <a:ext uri="{91240B29-F687-4f45-9708-019B960494DF}">
-              <a14:hiddenLine xmlns:a14="http://schemas.microsoft.com/office/drawing/2010/main" w="9525">
-                <a:solidFill>
-                  <a:srgbClr val="000000"/>
-                </a:solidFill>
-                <a:miter lim="800000"/>
-                <a:headEnd/>
-                <a:tailEnd/>
-              </a14:hiddenLine>
-            </a:ext>
-          </a:extLst>
-        </p:spPr>
-        <p:txBody>
-          <a:bodyPr/>
-          <a:lstStyle>
-            <a:lvl1pPr>
-              <a:defRPr sz="3000">
-                <a:solidFill>
-                  <a:schemeClr val="tx1"/>
-                </a:solidFill>
-                <a:latin typeface="Arial" charset="0"/>
-                <a:ea typeface="ＭＳ Ｐゴシック" charset="0"/>
-                <a:cs typeface="ＭＳ Ｐゴシック" charset="0"/>
-              </a:defRPr>
-            </a:lvl1pPr>
-            <a:lvl2pPr marL="742950" indent="-285750">
-              <a:defRPr sz="2600">
-                <a:solidFill>
-                  <a:schemeClr val="tx1"/>
-                </a:solidFill>
-                <a:latin typeface="Arial" charset="0"/>
-                <a:ea typeface="ＭＳ Ｐゴシック" charset="0"/>
-              </a:defRPr>
-            </a:lvl2pPr>
-            <a:lvl3pPr marL="1143000" indent="-228600">
-              <a:defRPr sz="2200">
-                <a:solidFill>
-                  <a:schemeClr val="tx1"/>
-                </a:solidFill>
-                <a:latin typeface="Arial" charset="0"/>
-                <a:ea typeface="ＭＳ Ｐゴシック" charset="0"/>
-              </a:defRPr>
-            </a:lvl3pPr>
-            <a:lvl4pPr marL="1600200" indent="-228600">
-              <a:defRPr sz="2000">
-                <a:solidFill>
-                  <a:schemeClr val="tx1"/>
-                </a:solidFill>
-                <a:latin typeface="Arial" charset="0"/>
-                <a:ea typeface="ＭＳ Ｐゴシック" charset="0"/>
-              </a:defRPr>
-            </a:lvl4pPr>
-            <a:lvl5pPr marL="2057400" indent="-228600">
-              <a:defRPr sz="2000">
-                <a:solidFill>
-                  <a:schemeClr val="tx1"/>
-                </a:solidFill>
-                <a:latin typeface="Arial" charset="0"/>
-                <a:ea typeface="ＭＳ Ｐゴシック" charset="0"/>
-              </a:defRPr>
-            </a:lvl5pPr>
-            <a:lvl6pPr marL="2514600" indent="-228600" eaLnBrk="0" hangingPunct="0">
-              <a:buFont typeface="Wingdings" charset="0"/>
-              <a:defRPr sz="2000">
-                <a:solidFill>
-                  <a:schemeClr val="tx1"/>
-                </a:solidFill>
-                <a:latin typeface="Arial" charset="0"/>
-                <a:ea typeface="ＭＳ Ｐゴシック" charset="0"/>
-              </a:defRPr>
-            </a:lvl6pPr>
-            <a:lvl7pPr marL="2971800" indent="-228600" eaLnBrk="0" hangingPunct="0">
-              <a:buFont typeface="Wingdings" charset="0"/>
-              <a:defRPr sz="2000">
-                <a:solidFill>
-                  <a:schemeClr val="tx1"/>
-                </a:solidFill>
-                <a:latin typeface="Arial" charset="0"/>
-                <a:ea typeface="ＭＳ Ｐゴシック" charset="0"/>
-              </a:defRPr>
-            </a:lvl7pPr>
-            <a:lvl8pPr marL="3429000" indent="-228600" eaLnBrk="0" hangingPunct="0">
-              <a:buFont typeface="Wingdings" charset="0"/>
-              <a:defRPr sz="2000">
-                <a:solidFill>
-                  <a:schemeClr val="tx1"/>
-                </a:solidFill>
-                <a:latin typeface="Arial" charset="0"/>
-                <a:ea typeface="ＭＳ Ｐゴシック" charset="0"/>
-              </a:defRPr>
-            </a:lvl8pPr>
-            <a:lvl9pPr marL="3886200" indent="-228600" eaLnBrk="0" hangingPunct="0">
-              <a:buFont typeface="Wingdings" charset="0"/>
-              <a:defRPr sz="2000">
-                <a:solidFill>
-                  <a:schemeClr val="tx1"/>
-                </a:solidFill>
-                <a:latin typeface="Arial" charset="0"/>
-                <a:ea typeface="ＭＳ Ｐゴシック" charset="0"/>
-              </a:defRPr>
-            </a:lvl9pPr>
-          </a:lstStyle>
-          <a:p>
             <a:fld id="{04C8D12B-DDDC-2B48-9185-484B8B4D985A}" type="slidenum">
               <a:rPr lang="en-US" sz="1200">
                 <a:latin typeface="Garamond" charset="0"/>
               </a:rPr>
               <a:pPr/>
-              <a:t>12</a:t>
+              <a:t>11</a:t>
             </a:fld>
             <a:endParaRPr lang="en-US" sz="1200">
               <a:latin typeface="Garamond" charset="0"/>
@@ -6961,12 +6410,6 @@
               </a:rPr>
               <a:t>No late submissions—solution to be posted today</a:t>
             </a:r>
-            <a:endParaRPr lang="en-US" b="1" dirty="0" smtClean="0">
-              <a:solidFill>
-                <a:srgbClr val="FF0000"/>
-              </a:solidFill>
-              <a:latin typeface="Arial" charset="0"/>
-            </a:endParaRPr>
           </a:p>
           <a:p>
             <a:pPr lvl="1"/>
@@ -6986,13 +6429,7 @@
               <a:rPr lang="en-US" dirty="0" smtClean="0">
                 <a:latin typeface="Arial" charset="0"/>
               </a:rPr>
-              <a:t>Friday, </a:t>
-            </a:r>
-            <a:r>
-              <a:rPr lang="en-US" dirty="0" smtClean="0">
-                <a:latin typeface="Arial" charset="0"/>
-              </a:rPr>
-              <a:t>9/30</a:t>
+              <a:t>Friday, 9/30</a:t>
             </a:r>
             <a:endParaRPr lang="en-US" dirty="0">
               <a:latin typeface="Arial" charset="0"/>
@@ -7049,13 +6486,7 @@
               <a:rPr lang="en-US" dirty="0" smtClean="0">
                 <a:latin typeface="Arial" charset="0"/>
               </a:rPr>
-              <a:t>Monday are </a:t>
-            </a:r>
-            <a:r>
-              <a:rPr lang="en-US" dirty="0" smtClean="0">
-                <a:latin typeface="Arial" charset="0"/>
-              </a:rPr>
-              <a:t>posted</a:t>
+              <a:t>Monday are posted</a:t>
             </a:r>
           </a:p>
           <a:p>
@@ -7465,7 +6896,9 @@
         </p:nvSpPr>
         <p:spPr/>
         <p:txBody>
-          <a:bodyPr/>
+          <a:bodyPr>
+            <a:normAutofit lnSpcReduction="10000"/>
+          </a:bodyPr>
           <a:lstStyle/>
           <a:p>
             <a:pPr>
@@ -7585,13 +7018,7 @@
               <a:rPr lang="en-US" sz="2200" dirty="0" smtClean="0">
                 <a:latin typeface="Arial" charset="0"/>
               </a:rPr>
-              <a:t>8:</a:t>
-            </a:r>
-            <a:r>
-              <a:rPr lang="en-US" sz="2200" dirty="0" smtClean="0">
-                <a:latin typeface="Arial" charset="0"/>
-              </a:rPr>
-              <a:t>00 AM</a:t>
+              <a:t>8:00 AM</a:t>
             </a:r>
             <a:r>
               <a:rPr lang="en-US" sz="2200" dirty="0">
@@ -7624,7 +7051,51 @@
               </a:rPr>
               <a:t>Monday</a:t>
             </a:r>
-            <a:endParaRPr lang="en-US" sz="2600" dirty="0">
+          </a:p>
+          <a:p>
+            <a:pPr lvl="1">
+              <a:lnSpc>
+                <a:spcPct val="80000"/>
+              </a:lnSpc>
+            </a:pPr>
+            <a:r>
+              <a:rPr lang="en-US" sz="2200" b="1" dirty="0" smtClean="0">
+                <a:solidFill>
+                  <a:srgbClr val="FF0000"/>
+                </a:solidFill>
+                <a:latin typeface="Arial" charset="0"/>
+              </a:rPr>
+              <a:t>Bit test/scan instructions will not be on the </a:t>
+            </a:r>
+            <a:r>
+              <a:rPr lang="en-US" sz="2200" b="1" dirty="0" smtClean="0">
+                <a:solidFill>
+                  <a:srgbClr val="FF0000"/>
+                </a:solidFill>
+                <a:latin typeface="Arial" charset="0"/>
+              </a:rPr>
+              <a:t>exam …</a:t>
+            </a:r>
+          </a:p>
+          <a:p>
+            <a:pPr lvl="1">
+              <a:lnSpc>
+                <a:spcPct val="80000"/>
+              </a:lnSpc>
+            </a:pPr>
+            <a:r>
+              <a:rPr lang="en-US" sz="2200" b="1" dirty="0" smtClean="0">
+                <a:solidFill>
+                  <a:srgbClr val="FF0000"/>
+                </a:solidFill>
+                <a:latin typeface="Arial" charset="0"/>
+              </a:rPr>
+              <a:t>… but rotate instructions (also covered Monday) will</a:t>
+            </a:r>
+            <a:endParaRPr lang="en-US" sz="2200" b="1" dirty="0">
+              <a:solidFill>
+                <a:srgbClr val="FF0000"/>
+              </a:solidFill>
               <a:latin typeface="Arial" charset="0"/>
             </a:endParaRPr>
           </a:p>
